--- a/images/Diagrams/Diagrams.pptx
+++ b/images/Diagrams/Diagrams.pptx
@@ -5,10 +5,11 @@
     <p:sldMasterId id="2147483816" r:id="rId1"/>
   </p:sldMasterIdLst>
   <p:notesMasterIdLst>
-    <p:notesMasterId r:id="rId3"/>
+    <p:notesMasterId r:id="rId4"/>
   </p:notesMasterIdLst>
   <p:sldIdLst>
     <p:sldId id="280" r:id="rId2"/>
+    <p:sldId id="281" r:id="rId3"/>
   </p:sldIdLst>
   <p:sldSz cx="9144000" cy="6858000" type="screen4x3"/>
   <p:notesSz cx="6858000" cy="9144000"/>
@@ -197,7 +198,7 @@
           <a:p>
             <a:fld id="{9AC3917A-CD5D-421D-9D78-91C29F87E249}" type="datetimeFigureOut">
               <a:rPr lang="en-AU" smtClean="0"/>
-              <a:t>2/10/2016</a:t>
+              <a:t>11/10/2016</a:t>
             </a:fld>
             <a:endParaRPr lang="en-AU"/>
           </a:p>
@@ -596,7 +597,7 @@
           <a:p>
             <a:fld id="{E09790B6-32E8-BC44-A8A9-88CC8DBEFED4}" type="datetimeFigureOut">
               <a:rPr lang="en-US" smtClean="0"/>
-              <a:t>10/2/2016</a:t>
+              <a:t>10/11/2016</a:t>
             </a:fld>
             <a:endParaRPr lang="en-US"/>
           </a:p>
@@ -766,7 +767,7 @@
           <a:p>
             <a:fld id="{E09790B6-32E8-BC44-A8A9-88CC8DBEFED4}" type="datetimeFigureOut">
               <a:rPr lang="en-US" smtClean="0"/>
-              <a:t>10/2/2016</a:t>
+              <a:t>10/11/2016</a:t>
             </a:fld>
             <a:endParaRPr lang="en-US"/>
           </a:p>
@@ -946,7 +947,7 @@
           <a:p>
             <a:fld id="{E09790B6-32E8-BC44-A8A9-88CC8DBEFED4}" type="datetimeFigureOut">
               <a:rPr lang="en-US" smtClean="0"/>
-              <a:t>10/2/2016</a:t>
+              <a:t>10/11/2016</a:t>
             </a:fld>
             <a:endParaRPr lang="en-US"/>
           </a:p>
@@ -1116,7 +1117,7 @@
           <a:p>
             <a:fld id="{E09790B6-32E8-BC44-A8A9-88CC8DBEFED4}" type="datetimeFigureOut">
               <a:rPr lang="en-US" smtClean="0"/>
-              <a:t>10/2/2016</a:t>
+              <a:t>10/11/2016</a:t>
             </a:fld>
             <a:endParaRPr lang="en-US"/>
           </a:p>
@@ -1360,7 +1361,7 @@
           <a:p>
             <a:fld id="{E09790B6-32E8-BC44-A8A9-88CC8DBEFED4}" type="datetimeFigureOut">
               <a:rPr lang="en-US" smtClean="0"/>
-              <a:t>10/2/2016</a:t>
+              <a:t>10/11/2016</a:t>
             </a:fld>
             <a:endParaRPr lang="en-US"/>
           </a:p>
@@ -1592,7 +1593,7 @@
           <a:p>
             <a:fld id="{E09790B6-32E8-BC44-A8A9-88CC8DBEFED4}" type="datetimeFigureOut">
               <a:rPr lang="en-US" smtClean="0"/>
-              <a:t>10/2/2016</a:t>
+              <a:t>10/11/2016</a:t>
             </a:fld>
             <a:endParaRPr lang="en-US"/>
           </a:p>
@@ -1959,7 +1960,7 @@
           <a:p>
             <a:fld id="{E09790B6-32E8-BC44-A8A9-88CC8DBEFED4}" type="datetimeFigureOut">
               <a:rPr lang="en-US" smtClean="0"/>
-              <a:t>10/2/2016</a:t>
+              <a:t>10/11/2016</a:t>
             </a:fld>
             <a:endParaRPr lang="en-US"/>
           </a:p>
@@ -2077,7 +2078,7 @@
           <a:p>
             <a:fld id="{E09790B6-32E8-BC44-A8A9-88CC8DBEFED4}" type="datetimeFigureOut">
               <a:rPr lang="en-US" smtClean="0"/>
-              <a:t>10/2/2016</a:t>
+              <a:t>10/11/2016</a:t>
             </a:fld>
             <a:endParaRPr lang="en-US"/>
           </a:p>
@@ -2172,7 +2173,7 @@
           <a:p>
             <a:fld id="{E09790B6-32E8-BC44-A8A9-88CC8DBEFED4}" type="datetimeFigureOut">
               <a:rPr lang="en-US" smtClean="0"/>
-              <a:t>10/2/2016</a:t>
+              <a:t>10/11/2016</a:t>
             </a:fld>
             <a:endParaRPr lang="en-US"/>
           </a:p>
@@ -2449,7 +2450,7 @@
           <a:p>
             <a:fld id="{E09790B6-32E8-BC44-A8A9-88CC8DBEFED4}" type="datetimeFigureOut">
               <a:rPr lang="en-US" smtClean="0"/>
-              <a:t>10/2/2016</a:t>
+              <a:t>10/11/2016</a:t>
             </a:fld>
             <a:endParaRPr lang="en-US"/>
           </a:p>
@@ -2706,7 +2707,7 @@
           <a:p>
             <a:fld id="{E09790B6-32E8-BC44-A8A9-88CC8DBEFED4}" type="datetimeFigureOut">
               <a:rPr lang="en-US" smtClean="0"/>
-              <a:t>10/2/2016</a:t>
+              <a:t>10/11/2016</a:t>
             </a:fld>
             <a:endParaRPr lang="en-US"/>
           </a:p>
@@ -2930,7 +2931,7 @@
             <a:fld id="{E09790B6-32E8-BC44-A8A9-88CC8DBEFED4}" type="datetimeFigureOut">
               <a:rPr lang="en-US" smtClean="0"/>
               <a:pPr/>
-              <a:t>10/2/2016</a:t>
+              <a:t>10/11/2016</a:t>
             </a:fld>
             <a:endParaRPr lang="en-US" dirty="0"/>
           </a:p>
@@ -3737,6 +3738,2061 @@
     <p:extLst>
       <p:ext uri="{BB962C8B-B14F-4D97-AF65-F5344CB8AC3E}">
         <p14:creationId xmlns:p14="http://schemas.microsoft.com/office/powerpoint/2010/main" val="926028655"/>
+      </p:ext>
+    </p:extLst>
+  </p:cSld>
+  <p:clrMapOvr>
+    <a:masterClrMapping/>
+  </p:clrMapOvr>
+</p:sld>
+</file>
+
+<file path=ppt/slides/slide2.xml><?xml version="1.0" encoding="utf-8"?>
+<p:sld xmlns:a="http://schemas.openxmlformats.org/drawingml/2006/main" xmlns:r="http://schemas.openxmlformats.org/officeDocument/2006/relationships" xmlns:p="http://schemas.openxmlformats.org/presentationml/2006/main">
+  <p:cSld>
+    <p:spTree>
+      <p:nvGrpSpPr>
+        <p:cNvPr id="1" name=""/>
+        <p:cNvGrpSpPr/>
+        <p:nvPr/>
+      </p:nvGrpSpPr>
+      <p:grpSpPr>
+        <a:xfrm>
+          <a:off x="0" y="0"/>
+          <a:ext cx="0" cy="0"/>
+          <a:chOff x="0" y="0"/>
+          <a:chExt cx="0" cy="0"/>
+        </a:xfrm>
+      </p:grpSpPr>
+      <p:sp>
+        <p:nvSpPr>
+          <p:cNvPr id="53" name="Rectangle: Rounded Corners 52"/>
+          <p:cNvSpPr/>
+          <p:nvPr/>
+        </p:nvSpPr>
+        <p:spPr>
+          <a:xfrm>
+            <a:off x="1507375" y="770313"/>
+            <a:ext cx="5760000" cy="4320000"/>
+          </a:xfrm>
+          <a:prstGeom prst="roundRect">
+            <a:avLst>
+              <a:gd name="adj" fmla="val 8072"/>
+            </a:avLst>
+          </a:prstGeom>
+        </p:spPr>
+        <p:style>
+          <a:lnRef idx="2">
+            <a:schemeClr val="dk1">
+              <a:shade val="50000"/>
+            </a:schemeClr>
+          </a:lnRef>
+          <a:fillRef idx="1">
+            <a:schemeClr val="dk1"/>
+          </a:fillRef>
+          <a:effectRef idx="0">
+            <a:schemeClr val="dk1"/>
+          </a:effectRef>
+          <a:fontRef idx="minor">
+            <a:schemeClr val="lt1"/>
+          </a:fontRef>
+        </p:style>
+        <p:txBody>
+          <a:bodyPr rtlCol="0" anchor="ctr"/>
+          <a:lstStyle/>
+          <a:p>
+            <a:pPr algn="ctr"/>
+            <a:endParaRPr lang="en-AU"/>
+          </a:p>
+        </p:txBody>
+      </p:sp>
+      <p:sp>
+        <p:nvSpPr>
+          <p:cNvPr id="4" name="Oval 3"/>
+          <p:cNvSpPr/>
+          <p:nvPr/>
+        </p:nvSpPr>
+        <p:spPr>
+          <a:xfrm>
+            <a:off x="1767840" y="991985"/>
+            <a:ext cx="515390" cy="515390"/>
+          </a:xfrm>
+          <a:prstGeom prst="ellipse">
+            <a:avLst/>
+          </a:prstGeom>
+        </p:spPr>
+        <p:style>
+          <a:lnRef idx="2">
+            <a:schemeClr val="accent6">
+              <a:shade val="50000"/>
+            </a:schemeClr>
+          </a:lnRef>
+          <a:fillRef idx="1">
+            <a:schemeClr val="accent6"/>
+          </a:fillRef>
+          <a:effectRef idx="0">
+            <a:schemeClr val="accent6"/>
+          </a:effectRef>
+          <a:fontRef idx="minor">
+            <a:schemeClr val="lt1"/>
+          </a:fontRef>
+        </p:style>
+        <p:txBody>
+          <a:bodyPr rtlCol="0" anchor="ctr"/>
+          <a:lstStyle/>
+          <a:p>
+            <a:pPr algn="ctr"/>
+            <a:endParaRPr lang="en-AU"/>
+          </a:p>
+        </p:txBody>
+      </p:sp>
+      <p:sp>
+        <p:nvSpPr>
+          <p:cNvPr id="5" name="Oval 4"/>
+          <p:cNvSpPr/>
+          <p:nvPr/>
+        </p:nvSpPr>
+        <p:spPr>
+          <a:xfrm>
+            <a:off x="1767840" y="1659775"/>
+            <a:ext cx="515390" cy="515390"/>
+          </a:xfrm>
+          <a:prstGeom prst="ellipse">
+            <a:avLst/>
+          </a:prstGeom>
+        </p:spPr>
+        <p:style>
+          <a:lnRef idx="2">
+            <a:schemeClr val="accent6">
+              <a:shade val="50000"/>
+            </a:schemeClr>
+          </a:lnRef>
+          <a:fillRef idx="1">
+            <a:schemeClr val="accent6"/>
+          </a:fillRef>
+          <a:effectRef idx="0">
+            <a:schemeClr val="accent6"/>
+          </a:effectRef>
+          <a:fontRef idx="minor">
+            <a:schemeClr val="lt1"/>
+          </a:fontRef>
+        </p:style>
+        <p:txBody>
+          <a:bodyPr rtlCol="0" anchor="ctr"/>
+          <a:lstStyle/>
+          <a:p>
+            <a:pPr algn="ctr"/>
+            <a:endParaRPr lang="en-AU"/>
+          </a:p>
+        </p:txBody>
+      </p:sp>
+      <p:sp>
+        <p:nvSpPr>
+          <p:cNvPr id="6" name="Oval 5"/>
+          <p:cNvSpPr/>
+          <p:nvPr/>
+        </p:nvSpPr>
+        <p:spPr>
+          <a:xfrm>
+            <a:off x="1767840" y="2327565"/>
+            <a:ext cx="515390" cy="515390"/>
+          </a:xfrm>
+          <a:prstGeom prst="ellipse">
+            <a:avLst/>
+          </a:prstGeom>
+        </p:spPr>
+        <p:style>
+          <a:lnRef idx="2">
+            <a:schemeClr val="accent6">
+              <a:shade val="50000"/>
+            </a:schemeClr>
+          </a:lnRef>
+          <a:fillRef idx="1">
+            <a:schemeClr val="accent6"/>
+          </a:fillRef>
+          <a:effectRef idx="0">
+            <a:schemeClr val="accent6"/>
+          </a:effectRef>
+          <a:fontRef idx="minor">
+            <a:schemeClr val="lt1"/>
+          </a:fontRef>
+        </p:style>
+        <p:txBody>
+          <a:bodyPr rtlCol="0" anchor="ctr"/>
+          <a:lstStyle/>
+          <a:p>
+            <a:pPr algn="ctr"/>
+            <a:endParaRPr lang="en-AU"/>
+          </a:p>
+        </p:txBody>
+      </p:sp>
+      <p:sp>
+        <p:nvSpPr>
+          <p:cNvPr id="9" name="Oval 8"/>
+          <p:cNvSpPr/>
+          <p:nvPr/>
+        </p:nvSpPr>
+        <p:spPr>
+          <a:xfrm>
+            <a:off x="1767840" y="4330935"/>
+            <a:ext cx="515390" cy="515390"/>
+          </a:xfrm>
+          <a:prstGeom prst="ellipse">
+            <a:avLst/>
+          </a:prstGeom>
+        </p:spPr>
+        <p:style>
+          <a:lnRef idx="2">
+            <a:schemeClr val="accent6">
+              <a:shade val="50000"/>
+            </a:schemeClr>
+          </a:lnRef>
+          <a:fillRef idx="1">
+            <a:schemeClr val="accent6"/>
+          </a:fillRef>
+          <a:effectRef idx="0">
+            <a:schemeClr val="accent6"/>
+          </a:effectRef>
+          <a:fontRef idx="minor">
+            <a:schemeClr val="lt1"/>
+          </a:fontRef>
+        </p:style>
+        <p:txBody>
+          <a:bodyPr rtlCol="0" anchor="ctr"/>
+          <a:lstStyle/>
+          <a:p>
+            <a:pPr algn="ctr"/>
+            <a:endParaRPr lang="en-AU"/>
+          </a:p>
+        </p:txBody>
+      </p:sp>
+      <p:sp>
+        <p:nvSpPr>
+          <p:cNvPr id="10" name="Oval 9"/>
+          <p:cNvSpPr/>
+          <p:nvPr/>
+        </p:nvSpPr>
+        <p:spPr>
+          <a:xfrm>
+            <a:off x="2435630" y="991985"/>
+            <a:ext cx="515390" cy="515390"/>
+          </a:xfrm>
+          <a:prstGeom prst="ellipse">
+            <a:avLst/>
+          </a:prstGeom>
+        </p:spPr>
+        <p:style>
+          <a:lnRef idx="2">
+            <a:schemeClr val="accent6">
+              <a:shade val="50000"/>
+            </a:schemeClr>
+          </a:lnRef>
+          <a:fillRef idx="1">
+            <a:schemeClr val="accent6"/>
+          </a:fillRef>
+          <a:effectRef idx="0">
+            <a:schemeClr val="accent6"/>
+          </a:effectRef>
+          <a:fontRef idx="minor">
+            <a:schemeClr val="lt1"/>
+          </a:fontRef>
+        </p:style>
+        <p:txBody>
+          <a:bodyPr rtlCol="0" anchor="ctr"/>
+          <a:lstStyle/>
+          <a:p>
+            <a:pPr algn="ctr"/>
+            <a:endParaRPr lang="en-AU"/>
+          </a:p>
+        </p:txBody>
+      </p:sp>
+      <p:sp>
+        <p:nvSpPr>
+          <p:cNvPr id="11" name="Oval 10"/>
+          <p:cNvSpPr/>
+          <p:nvPr/>
+        </p:nvSpPr>
+        <p:spPr>
+          <a:xfrm>
+            <a:off x="2435630" y="1659775"/>
+            <a:ext cx="515390" cy="515390"/>
+          </a:xfrm>
+          <a:prstGeom prst="ellipse">
+            <a:avLst/>
+          </a:prstGeom>
+        </p:spPr>
+        <p:style>
+          <a:lnRef idx="2">
+            <a:schemeClr val="accent6">
+              <a:shade val="50000"/>
+            </a:schemeClr>
+          </a:lnRef>
+          <a:fillRef idx="1">
+            <a:schemeClr val="accent6"/>
+          </a:fillRef>
+          <a:effectRef idx="0">
+            <a:schemeClr val="accent6"/>
+          </a:effectRef>
+          <a:fontRef idx="minor">
+            <a:schemeClr val="lt1"/>
+          </a:fontRef>
+        </p:style>
+        <p:txBody>
+          <a:bodyPr rtlCol="0" anchor="ctr"/>
+          <a:lstStyle/>
+          <a:p>
+            <a:pPr algn="ctr"/>
+            <a:endParaRPr lang="en-AU"/>
+          </a:p>
+        </p:txBody>
+      </p:sp>
+      <p:sp>
+        <p:nvSpPr>
+          <p:cNvPr id="12" name="Oval 11"/>
+          <p:cNvSpPr/>
+          <p:nvPr/>
+        </p:nvSpPr>
+        <p:spPr>
+          <a:xfrm>
+            <a:off x="2435630" y="2327565"/>
+            <a:ext cx="515390" cy="515390"/>
+          </a:xfrm>
+          <a:prstGeom prst="ellipse">
+            <a:avLst/>
+          </a:prstGeom>
+        </p:spPr>
+        <p:style>
+          <a:lnRef idx="2">
+            <a:schemeClr val="accent6">
+              <a:shade val="50000"/>
+            </a:schemeClr>
+          </a:lnRef>
+          <a:fillRef idx="1">
+            <a:schemeClr val="accent6"/>
+          </a:fillRef>
+          <a:effectRef idx="0">
+            <a:schemeClr val="accent6"/>
+          </a:effectRef>
+          <a:fontRef idx="minor">
+            <a:schemeClr val="lt1"/>
+          </a:fontRef>
+        </p:style>
+        <p:txBody>
+          <a:bodyPr rtlCol="0" anchor="ctr"/>
+          <a:lstStyle/>
+          <a:p>
+            <a:pPr algn="ctr"/>
+            <a:endParaRPr lang="en-AU"/>
+          </a:p>
+        </p:txBody>
+      </p:sp>
+      <p:sp>
+        <p:nvSpPr>
+          <p:cNvPr id="13" name="Oval 12"/>
+          <p:cNvSpPr/>
+          <p:nvPr/>
+        </p:nvSpPr>
+        <p:spPr>
+          <a:xfrm>
+            <a:off x="2435630" y="2995355"/>
+            <a:ext cx="515390" cy="515390"/>
+          </a:xfrm>
+          <a:prstGeom prst="ellipse">
+            <a:avLst/>
+          </a:prstGeom>
+        </p:spPr>
+        <p:style>
+          <a:lnRef idx="2">
+            <a:schemeClr val="accent5">
+              <a:shade val="50000"/>
+            </a:schemeClr>
+          </a:lnRef>
+          <a:fillRef idx="1">
+            <a:schemeClr val="accent5"/>
+          </a:fillRef>
+          <a:effectRef idx="0">
+            <a:schemeClr val="accent5"/>
+          </a:effectRef>
+          <a:fontRef idx="minor">
+            <a:schemeClr val="lt1"/>
+          </a:fontRef>
+        </p:style>
+        <p:txBody>
+          <a:bodyPr rtlCol="0" anchor="ctr"/>
+          <a:lstStyle/>
+          <a:p>
+            <a:pPr algn="ctr"/>
+            <a:endParaRPr lang="en-AU"/>
+          </a:p>
+        </p:txBody>
+      </p:sp>
+      <p:sp>
+        <p:nvSpPr>
+          <p:cNvPr id="14" name="Oval 13"/>
+          <p:cNvSpPr/>
+          <p:nvPr/>
+        </p:nvSpPr>
+        <p:spPr>
+          <a:xfrm>
+            <a:off x="2435630" y="3663145"/>
+            <a:ext cx="515390" cy="515390"/>
+          </a:xfrm>
+          <a:prstGeom prst="ellipse">
+            <a:avLst/>
+          </a:prstGeom>
+        </p:spPr>
+        <p:style>
+          <a:lnRef idx="2">
+            <a:schemeClr val="accent5">
+              <a:shade val="50000"/>
+            </a:schemeClr>
+          </a:lnRef>
+          <a:fillRef idx="1">
+            <a:schemeClr val="accent5"/>
+          </a:fillRef>
+          <a:effectRef idx="0">
+            <a:schemeClr val="accent5"/>
+          </a:effectRef>
+          <a:fontRef idx="minor">
+            <a:schemeClr val="lt1"/>
+          </a:fontRef>
+        </p:style>
+        <p:txBody>
+          <a:bodyPr rtlCol="0" anchor="ctr"/>
+          <a:lstStyle/>
+          <a:p>
+            <a:pPr algn="ctr"/>
+            <a:endParaRPr lang="en-AU"/>
+          </a:p>
+        </p:txBody>
+      </p:sp>
+      <p:sp>
+        <p:nvSpPr>
+          <p:cNvPr id="15" name="Oval 14"/>
+          <p:cNvSpPr/>
+          <p:nvPr/>
+        </p:nvSpPr>
+        <p:spPr>
+          <a:xfrm>
+            <a:off x="2435630" y="4330935"/>
+            <a:ext cx="515390" cy="515390"/>
+          </a:xfrm>
+          <a:prstGeom prst="ellipse">
+            <a:avLst/>
+          </a:prstGeom>
+        </p:spPr>
+        <p:style>
+          <a:lnRef idx="2">
+            <a:schemeClr val="accent6">
+              <a:shade val="50000"/>
+            </a:schemeClr>
+          </a:lnRef>
+          <a:fillRef idx="1">
+            <a:schemeClr val="accent6"/>
+          </a:fillRef>
+          <a:effectRef idx="0">
+            <a:schemeClr val="accent6"/>
+          </a:effectRef>
+          <a:fontRef idx="minor">
+            <a:schemeClr val="lt1"/>
+          </a:fontRef>
+        </p:style>
+        <p:txBody>
+          <a:bodyPr rtlCol="0" anchor="ctr"/>
+          <a:lstStyle/>
+          <a:p>
+            <a:pPr algn="ctr"/>
+            <a:endParaRPr lang="en-AU"/>
+          </a:p>
+        </p:txBody>
+      </p:sp>
+      <p:sp>
+        <p:nvSpPr>
+          <p:cNvPr id="16" name="Oval 15"/>
+          <p:cNvSpPr/>
+          <p:nvPr/>
+        </p:nvSpPr>
+        <p:spPr>
+          <a:xfrm>
+            <a:off x="3133902" y="991985"/>
+            <a:ext cx="515390" cy="515390"/>
+          </a:xfrm>
+          <a:prstGeom prst="ellipse">
+            <a:avLst/>
+          </a:prstGeom>
+        </p:spPr>
+        <p:style>
+          <a:lnRef idx="2">
+            <a:schemeClr val="accent6">
+              <a:shade val="50000"/>
+            </a:schemeClr>
+          </a:lnRef>
+          <a:fillRef idx="1">
+            <a:schemeClr val="accent6"/>
+          </a:fillRef>
+          <a:effectRef idx="0">
+            <a:schemeClr val="accent6"/>
+          </a:effectRef>
+          <a:fontRef idx="minor">
+            <a:schemeClr val="lt1"/>
+          </a:fontRef>
+        </p:style>
+        <p:txBody>
+          <a:bodyPr rtlCol="0" anchor="ctr"/>
+          <a:lstStyle/>
+          <a:p>
+            <a:pPr algn="ctr"/>
+            <a:endParaRPr lang="en-AU"/>
+          </a:p>
+        </p:txBody>
+      </p:sp>
+      <p:sp>
+        <p:nvSpPr>
+          <p:cNvPr id="17" name="Oval 16"/>
+          <p:cNvSpPr/>
+          <p:nvPr/>
+        </p:nvSpPr>
+        <p:spPr>
+          <a:xfrm>
+            <a:off x="3133902" y="1659775"/>
+            <a:ext cx="515390" cy="515390"/>
+          </a:xfrm>
+          <a:prstGeom prst="ellipse">
+            <a:avLst/>
+          </a:prstGeom>
+        </p:spPr>
+        <p:style>
+          <a:lnRef idx="2">
+            <a:schemeClr val="accent6">
+              <a:shade val="50000"/>
+            </a:schemeClr>
+          </a:lnRef>
+          <a:fillRef idx="1">
+            <a:schemeClr val="accent6"/>
+          </a:fillRef>
+          <a:effectRef idx="0">
+            <a:schemeClr val="accent6"/>
+          </a:effectRef>
+          <a:fontRef idx="minor">
+            <a:schemeClr val="lt1"/>
+          </a:fontRef>
+        </p:style>
+        <p:txBody>
+          <a:bodyPr rtlCol="0" anchor="ctr"/>
+          <a:lstStyle/>
+          <a:p>
+            <a:pPr algn="ctr"/>
+            <a:endParaRPr lang="en-AU"/>
+          </a:p>
+        </p:txBody>
+      </p:sp>
+      <p:sp>
+        <p:nvSpPr>
+          <p:cNvPr id="18" name="Oval 17"/>
+          <p:cNvSpPr/>
+          <p:nvPr/>
+        </p:nvSpPr>
+        <p:spPr>
+          <a:xfrm>
+            <a:off x="3133902" y="2327565"/>
+            <a:ext cx="515390" cy="515390"/>
+          </a:xfrm>
+          <a:prstGeom prst="ellipse">
+            <a:avLst/>
+          </a:prstGeom>
+        </p:spPr>
+        <p:style>
+          <a:lnRef idx="2">
+            <a:schemeClr val="accent6">
+              <a:shade val="50000"/>
+            </a:schemeClr>
+          </a:lnRef>
+          <a:fillRef idx="1">
+            <a:schemeClr val="accent6"/>
+          </a:fillRef>
+          <a:effectRef idx="0">
+            <a:schemeClr val="accent6"/>
+          </a:effectRef>
+          <a:fontRef idx="minor">
+            <a:schemeClr val="lt1"/>
+          </a:fontRef>
+        </p:style>
+        <p:txBody>
+          <a:bodyPr rtlCol="0" anchor="ctr"/>
+          <a:lstStyle/>
+          <a:p>
+            <a:pPr algn="ctr"/>
+            <a:endParaRPr lang="en-AU"/>
+          </a:p>
+        </p:txBody>
+      </p:sp>
+      <p:sp>
+        <p:nvSpPr>
+          <p:cNvPr id="19" name="Oval 18"/>
+          <p:cNvSpPr/>
+          <p:nvPr/>
+        </p:nvSpPr>
+        <p:spPr>
+          <a:xfrm>
+            <a:off x="3133902" y="2995355"/>
+            <a:ext cx="515390" cy="515390"/>
+          </a:xfrm>
+          <a:prstGeom prst="ellipse">
+            <a:avLst/>
+          </a:prstGeom>
+        </p:spPr>
+        <p:style>
+          <a:lnRef idx="2">
+            <a:schemeClr val="accent5">
+              <a:shade val="50000"/>
+            </a:schemeClr>
+          </a:lnRef>
+          <a:fillRef idx="1">
+            <a:schemeClr val="accent5"/>
+          </a:fillRef>
+          <a:effectRef idx="0">
+            <a:schemeClr val="accent5"/>
+          </a:effectRef>
+          <a:fontRef idx="minor">
+            <a:schemeClr val="lt1"/>
+          </a:fontRef>
+        </p:style>
+        <p:txBody>
+          <a:bodyPr rtlCol="0" anchor="ctr"/>
+          <a:lstStyle/>
+          <a:p>
+            <a:pPr algn="ctr"/>
+            <a:endParaRPr lang="en-AU"/>
+          </a:p>
+        </p:txBody>
+      </p:sp>
+      <p:sp>
+        <p:nvSpPr>
+          <p:cNvPr id="20" name="Oval 19"/>
+          <p:cNvSpPr/>
+          <p:nvPr/>
+        </p:nvSpPr>
+        <p:spPr>
+          <a:xfrm>
+            <a:off x="3133902" y="3663145"/>
+            <a:ext cx="515390" cy="515390"/>
+          </a:xfrm>
+          <a:prstGeom prst="ellipse">
+            <a:avLst/>
+          </a:prstGeom>
+        </p:spPr>
+        <p:style>
+          <a:lnRef idx="2">
+            <a:schemeClr val="accent5">
+              <a:shade val="50000"/>
+            </a:schemeClr>
+          </a:lnRef>
+          <a:fillRef idx="1">
+            <a:schemeClr val="accent5"/>
+          </a:fillRef>
+          <a:effectRef idx="0">
+            <a:schemeClr val="accent5"/>
+          </a:effectRef>
+          <a:fontRef idx="minor">
+            <a:schemeClr val="lt1"/>
+          </a:fontRef>
+        </p:style>
+        <p:txBody>
+          <a:bodyPr rtlCol="0" anchor="ctr"/>
+          <a:lstStyle/>
+          <a:p>
+            <a:pPr algn="ctr"/>
+            <a:endParaRPr lang="en-AU"/>
+          </a:p>
+        </p:txBody>
+      </p:sp>
+      <p:sp>
+        <p:nvSpPr>
+          <p:cNvPr id="21" name="Oval 20"/>
+          <p:cNvSpPr/>
+          <p:nvPr/>
+        </p:nvSpPr>
+        <p:spPr>
+          <a:xfrm>
+            <a:off x="3133902" y="4330935"/>
+            <a:ext cx="515390" cy="515390"/>
+          </a:xfrm>
+          <a:prstGeom prst="ellipse">
+            <a:avLst/>
+          </a:prstGeom>
+        </p:spPr>
+        <p:style>
+          <a:lnRef idx="2">
+            <a:schemeClr val="accent6">
+              <a:shade val="50000"/>
+            </a:schemeClr>
+          </a:lnRef>
+          <a:fillRef idx="1">
+            <a:schemeClr val="accent6"/>
+          </a:fillRef>
+          <a:effectRef idx="0">
+            <a:schemeClr val="accent6"/>
+          </a:effectRef>
+          <a:fontRef idx="minor">
+            <a:schemeClr val="lt1"/>
+          </a:fontRef>
+        </p:style>
+        <p:txBody>
+          <a:bodyPr rtlCol="0" anchor="ctr"/>
+          <a:lstStyle/>
+          <a:p>
+            <a:pPr algn="ctr"/>
+            <a:endParaRPr lang="en-AU"/>
+          </a:p>
+        </p:txBody>
+      </p:sp>
+      <p:sp>
+        <p:nvSpPr>
+          <p:cNvPr id="22" name="Oval 21"/>
+          <p:cNvSpPr/>
+          <p:nvPr/>
+        </p:nvSpPr>
+        <p:spPr>
+          <a:xfrm>
+            <a:off x="3801692" y="991985"/>
+            <a:ext cx="515390" cy="515390"/>
+          </a:xfrm>
+          <a:prstGeom prst="ellipse">
+            <a:avLst/>
+          </a:prstGeom>
+        </p:spPr>
+        <p:style>
+          <a:lnRef idx="2">
+            <a:schemeClr val="accent6">
+              <a:shade val="50000"/>
+            </a:schemeClr>
+          </a:lnRef>
+          <a:fillRef idx="1">
+            <a:schemeClr val="accent6"/>
+          </a:fillRef>
+          <a:effectRef idx="0">
+            <a:schemeClr val="accent6"/>
+          </a:effectRef>
+          <a:fontRef idx="minor">
+            <a:schemeClr val="lt1"/>
+          </a:fontRef>
+        </p:style>
+        <p:txBody>
+          <a:bodyPr rtlCol="0" anchor="ctr"/>
+          <a:lstStyle/>
+          <a:p>
+            <a:pPr algn="ctr"/>
+            <a:endParaRPr lang="en-AU"/>
+          </a:p>
+        </p:txBody>
+      </p:sp>
+      <p:sp>
+        <p:nvSpPr>
+          <p:cNvPr id="23" name="Oval 22"/>
+          <p:cNvSpPr/>
+          <p:nvPr/>
+        </p:nvSpPr>
+        <p:spPr>
+          <a:xfrm>
+            <a:off x="3801692" y="1659775"/>
+            <a:ext cx="515390" cy="515390"/>
+          </a:xfrm>
+          <a:prstGeom prst="ellipse">
+            <a:avLst/>
+          </a:prstGeom>
+        </p:spPr>
+        <p:style>
+          <a:lnRef idx="2">
+            <a:schemeClr val="accent6">
+              <a:shade val="50000"/>
+            </a:schemeClr>
+          </a:lnRef>
+          <a:fillRef idx="1">
+            <a:schemeClr val="accent6"/>
+          </a:fillRef>
+          <a:effectRef idx="0">
+            <a:schemeClr val="accent6"/>
+          </a:effectRef>
+          <a:fontRef idx="minor">
+            <a:schemeClr val="lt1"/>
+          </a:fontRef>
+        </p:style>
+        <p:txBody>
+          <a:bodyPr rtlCol="0" anchor="ctr"/>
+          <a:lstStyle/>
+          <a:p>
+            <a:pPr algn="ctr"/>
+            <a:endParaRPr lang="en-AU"/>
+          </a:p>
+        </p:txBody>
+      </p:sp>
+      <p:sp>
+        <p:nvSpPr>
+          <p:cNvPr id="24" name="Oval 23"/>
+          <p:cNvSpPr/>
+          <p:nvPr/>
+        </p:nvSpPr>
+        <p:spPr>
+          <a:xfrm>
+            <a:off x="3801692" y="2327565"/>
+            <a:ext cx="515390" cy="515390"/>
+          </a:xfrm>
+          <a:prstGeom prst="ellipse">
+            <a:avLst/>
+          </a:prstGeom>
+        </p:spPr>
+        <p:style>
+          <a:lnRef idx="2">
+            <a:schemeClr val="accent6">
+              <a:shade val="50000"/>
+            </a:schemeClr>
+          </a:lnRef>
+          <a:fillRef idx="1">
+            <a:schemeClr val="accent6"/>
+          </a:fillRef>
+          <a:effectRef idx="0">
+            <a:schemeClr val="accent6"/>
+          </a:effectRef>
+          <a:fontRef idx="minor">
+            <a:schemeClr val="lt1"/>
+          </a:fontRef>
+        </p:style>
+        <p:txBody>
+          <a:bodyPr rtlCol="0" anchor="ctr"/>
+          <a:lstStyle/>
+          <a:p>
+            <a:pPr algn="ctr"/>
+            <a:endParaRPr lang="en-AU"/>
+          </a:p>
+        </p:txBody>
+      </p:sp>
+      <p:sp>
+        <p:nvSpPr>
+          <p:cNvPr id="26" name="Oval 25"/>
+          <p:cNvSpPr/>
+          <p:nvPr/>
+        </p:nvSpPr>
+        <p:spPr>
+          <a:xfrm>
+            <a:off x="3801692" y="3663145"/>
+            <a:ext cx="515390" cy="515390"/>
+          </a:xfrm>
+          <a:prstGeom prst="ellipse">
+            <a:avLst/>
+          </a:prstGeom>
+        </p:spPr>
+        <p:style>
+          <a:lnRef idx="2">
+            <a:schemeClr val="accent5">
+              <a:shade val="50000"/>
+            </a:schemeClr>
+          </a:lnRef>
+          <a:fillRef idx="1">
+            <a:schemeClr val="accent5"/>
+          </a:fillRef>
+          <a:effectRef idx="0">
+            <a:schemeClr val="accent5"/>
+          </a:effectRef>
+          <a:fontRef idx="minor">
+            <a:schemeClr val="lt1"/>
+          </a:fontRef>
+        </p:style>
+        <p:txBody>
+          <a:bodyPr rtlCol="0" anchor="ctr"/>
+          <a:lstStyle/>
+          <a:p>
+            <a:pPr algn="ctr"/>
+            <a:endParaRPr lang="en-AU"/>
+          </a:p>
+        </p:txBody>
+      </p:sp>
+      <p:sp>
+        <p:nvSpPr>
+          <p:cNvPr id="27" name="Oval 26"/>
+          <p:cNvSpPr/>
+          <p:nvPr/>
+        </p:nvSpPr>
+        <p:spPr>
+          <a:xfrm>
+            <a:off x="3801692" y="4330935"/>
+            <a:ext cx="515390" cy="515390"/>
+          </a:xfrm>
+          <a:prstGeom prst="ellipse">
+            <a:avLst/>
+          </a:prstGeom>
+        </p:spPr>
+        <p:style>
+          <a:lnRef idx="2">
+            <a:schemeClr val="accent6">
+              <a:shade val="50000"/>
+            </a:schemeClr>
+          </a:lnRef>
+          <a:fillRef idx="1">
+            <a:schemeClr val="accent6"/>
+          </a:fillRef>
+          <a:effectRef idx="0">
+            <a:schemeClr val="accent6"/>
+          </a:effectRef>
+          <a:fontRef idx="minor">
+            <a:schemeClr val="lt1"/>
+          </a:fontRef>
+        </p:style>
+        <p:txBody>
+          <a:bodyPr rtlCol="0" anchor="ctr"/>
+          <a:lstStyle/>
+          <a:p>
+            <a:pPr algn="ctr"/>
+            <a:endParaRPr lang="en-AU"/>
+          </a:p>
+        </p:txBody>
+      </p:sp>
+      <p:sp>
+        <p:nvSpPr>
+          <p:cNvPr id="28" name="Oval 27"/>
+          <p:cNvSpPr/>
+          <p:nvPr/>
+        </p:nvSpPr>
+        <p:spPr>
+          <a:xfrm>
+            <a:off x="4469482" y="991985"/>
+            <a:ext cx="515390" cy="515390"/>
+          </a:xfrm>
+          <a:prstGeom prst="ellipse">
+            <a:avLst/>
+          </a:prstGeom>
+        </p:spPr>
+        <p:style>
+          <a:lnRef idx="2">
+            <a:schemeClr val="accent6">
+              <a:shade val="50000"/>
+            </a:schemeClr>
+          </a:lnRef>
+          <a:fillRef idx="1">
+            <a:schemeClr val="accent6"/>
+          </a:fillRef>
+          <a:effectRef idx="0">
+            <a:schemeClr val="accent6"/>
+          </a:effectRef>
+          <a:fontRef idx="minor">
+            <a:schemeClr val="lt1"/>
+          </a:fontRef>
+        </p:style>
+        <p:txBody>
+          <a:bodyPr rtlCol="0" anchor="ctr"/>
+          <a:lstStyle/>
+          <a:p>
+            <a:pPr algn="ctr"/>
+            <a:endParaRPr lang="en-AU"/>
+          </a:p>
+        </p:txBody>
+      </p:sp>
+      <p:sp>
+        <p:nvSpPr>
+          <p:cNvPr id="29" name="Oval 28"/>
+          <p:cNvSpPr/>
+          <p:nvPr/>
+        </p:nvSpPr>
+        <p:spPr>
+          <a:xfrm>
+            <a:off x="4469482" y="1659775"/>
+            <a:ext cx="515390" cy="515390"/>
+          </a:xfrm>
+          <a:prstGeom prst="ellipse">
+            <a:avLst/>
+          </a:prstGeom>
+        </p:spPr>
+        <p:style>
+          <a:lnRef idx="2">
+            <a:schemeClr val="accent6">
+              <a:shade val="50000"/>
+            </a:schemeClr>
+          </a:lnRef>
+          <a:fillRef idx="1">
+            <a:schemeClr val="accent6"/>
+          </a:fillRef>
+          <a:effectRef idx="0">
+            <a:schemeClr val="accent6"/>
+          </a:effectRef>
+          <a:fontRef idx="minor">
+            <a:schemeClr val="lt1"/>
+          </a:fontRef>
+        </p:style>
+        <p:txBody>
+          <a:bodyPr rtlCol="0" anchor="ctr"/>
+          <a:lstStyle/>
+          <a:p>
+            <a:pPr algn="ctr"/>
+            <a:endParaRPr lang="en-AU"/>
+          </a:p>
+        </p:txBody>
+      </p:sp>
+      <p:sp>
+        <p:nvSpPr>
+          <p:cNvPr id="30" name="Oval 29"/>
+          <p:cNvSpPr/>
+          <p:nvPr/>
+        </p:nvSpPr>
+        <p:spPr>
+          <a:xfrm>
+            <a:off x="4469482" y="2327565"/>
+            <a:ext cx="515390" cy="515390"/>
+          </a:xfrm>
+          <a:prstGeom prst="ellipse">
+            <a:avLst/>
+          </a:prstGeom>
+        </p:spPr>
+        <p:style>
+          <a:lnRef idx="2">
+            <a:schemeClr val="accent6">
+              <a:shade val="50000"/>
+            </a:schemeClr>
+          </a:lnRef>
+          <a:fillRef idx="1">
+            <a:schemeClr val="accent6"/>
+          </a:fillRef>
+          <a:effectRef idx="0">
+            <a:schemeClr val="accent6"/>
+          </a:effectRef>
+          <a:fontRef idx="minor">
+            <a:schemeClr val="lt1"/>
+          </a:fontRef>
+        </p:style>
+        <p:txBody>
+          <a:bodyPr rtlCol="0" anchor="ctr"/>
+          <a:lstStyle/>
+          <a:p>
+            <a:pPr algn="ctr"/>
+            <a:endParaRPr lang="en-AU"/>
+          </a:p>
+        </p:txBody>
+      </p:sp>
+      <p:sp>
+        <p:nvSpPr>
+          <p:cNvPr id="31" name="Oval 30"/>
+          <p:cNvSpPr/>
+          <p:nvPr/>
+        </p:nvSpPr>
+        <p:spPr>
+          <a:xfrm>
+            <a:off x="4469482" y="2995355"/>
+            <a:ext cx="515390" cy="515390"/>
+          </a:xfrm>
+          <a:prstGeom prst="ellipse">
+            <a:avLst/>
+          </a:prstGeom>
+        </p:spPr>
+        <p:style>
+          <a:lnRef idx="2">
+            <a:schemeClr val="accent5">
+              <a:shade val="50000"/>
+            </a:schemeClr>
+          </a:lnRef>
+          <a:fillRef idx="1">
+            <a:schemeClr val="accent5"/>
+          </a:fillRef>
+          <a:effectRef idx="0">
+            <a:schemeClr val="accent5"/>
+          </a:effectRef>
+          <a:fontRef idx="minor">
+            <a:schemeClr val="lt1"/>
+          </a:fontRef>
+        </p:style>
+        <p:txBody>
+          <a:bodyPr rtlCol="0" anchor="ctr"/>
+          <a:lstStyle/>
+          <a:p>
+            <a:pPr algn="ctr"/>
+            <a:endParaRPr lang="en-AU"/>
+          </a:p>
+        </p:txBody>
+      </p:sp>
+      <p:sp>
+        <p:nvSpPr>
+          <p:cNvPr id="33" name="Oval 32"/>
+          <p:cNvSpPr/>
+          <p:nvPr/>
+        </p:nvSpPr>
+        <p:spPr>
+          <a:xfrm>
+            <a:off x="4469482" y="4330935"/>
+            <a:ext cx="515390" cy="515390"/>
+          </a:xfrm>
+          <a:prstGeom prst="ellipse">
+            <a:avLst/>
+          </a:prstGeom>
+        </p:spPr>
+        <p:style>
+          <a:lnRef idx="2">
+            <a:schemeClr val="accent6">
+              <a:shade val="50000"/>
+            </a:schemeClr>
+          </a:lnRef>
+          <a:fillRef idx="1">
+            <a:schemeClr val="accent6"/>
+          </a:fillRef>
+          <a:effectRef idx="0">
+            <a:schemeClr val="accent6"/>
+          </a:effectRef>
+          <a:fontRef idx="minor">
+            <a:schemeClr val="lt1"/>
+          </a:fontRef>
+        </p:style>
+        <p:txBody>
+          <a:bodyPr rtlCol="0" anchor="ctr"/>
+          <a:lstStyle/>
+          <a:p>
+            <a:pPr algn="ctr"/>
+            <a:endParaRPr lang="en-AU"/>
+          </a:p>
+        </p:txBody>
+      </p:sp>
+      <p:sp>
+        <p:nvSpPr>
+          <p:cNvPr id="34" name="Oval 33"/>
+          <p:cNvSpPr/>
+          <p:nvPr/>
+        </p:nvSpPr>
+        <p:spPr>
+          <a:xfrm>
+            <a:off x="5137272" y="991985"/>
+            <a:ext cx="515390" cy="515390"/>
+          </a:xfrm>
+          <a:prstGeom prst="ellipse">
+            <a:avLst/>
+          </a:prstGeom>
+        </p:spPr>
+        <p:style>
+          <a:lnRef idx="2">
+            <a:schemeClr val="accent6">
+              <a:shade val="50000"/>
+            </a:schemeClr>
+          </a:lnRef>
+          <a:fillRef idx="1">
+            <a:schemeClr val="accent6"/>
+          </a:fillRef>
+          <a:effectRef idx="0">
+            <a:schemeClr val="accent6"/>
+          </a:effectRef>
+          <a:fontRef idx="minor">
+            <a:schemeClr val="lt1"/>
+          </a:fontRef>
+        </p:style>
+        <p:txBody>
+          <a:bodyPr rtlCol="0" anchor="ctr"/>
+          <a:lstStyle/>
+          <a:p>
+            <a:pPr algn="ctr"/>
+            <a:endParaRPr lang="en-AU"/>
+          </a:p>
+        </p:txBody>
+      </p:sp>
+      <p:sp>
+        <p:nvSpPr>
+          <p:cNvPr id="35" name="Oval 34"/>
+          <p:cNvSpPr/>
+          <p:nvPr/>
+        </p:nvSpPr>
+        <p:spPr>
+          <a:xfrm>
+            <a:off x="5137272" y="1659775"/>
+            <a:ext cx="515390" cy="515390"/>
+          </a:xfrm>
+          <a:prstGeom prst="ellipse">
+            <a:avLst/>
+          </a:prstGeom>
+        </p:spPr>
+        <p:style>
+          <a:lnRef idx="2">
+            <a:schemeClr val="accent6">
+              <a:shade val="50000"/>
+            </a:schemeClr>
+          </a:lnRef>
+          <a:fillRef idx="1">
+            <a:schemeClr val="accent6"/>
+          </a:fillRef>
+          <a:effectRef idx="0">
+            <a:schemeClr val="accent6"/>
+          </a:effectRef>
+          <a:fontRef idx="minor">
+            <a:schemeClr val="lt1"/>
+          </a:fontRef>
+        </p:style>
+        <p:txBody>
+          <a:bodyPr rtlCol="0" anchor="ctr"/>
+          <a:lstStyle/>
+          <a:p>
+            <a:pPr algn="ctr"/>
+            <a:endParaRPr lang="en-AU"/>
+          </a:p>
+        </p:txBody>
+      </p:sp>
+      <p:sp>
+        <p:nvSpPr>
+          <p:cNvPr id="36" name="Oval 35"/>
+          <p:cNvSpPr/>
+          <p:nvPr/>
+        </p:nvSpPr>
+        <p:spPr>
+          <a:xfrm>
+            <a:off x="5137272" y="2327565"/>
+            <a:ext cx="515390" cy="515390"/>
+          </a:xfrm>
+          <a:prstGeom prst="ellipse">
+            <a:avLst/>
+          </a:prstGeom>
+        </p:spPr>
+        <p:style>
+          <a:lnRef idx="2">
+            <a:schemeClr val="accent6">
+              <a:shade val="50000"/>
+            </a:schemeClr>
+          </a:lnRef>
+          <a:fillRef idx="1">
+            <a:schemeClr val="accent6"/>
+          </a:fillRef>
+          <a:effectRef idx="0">
+            <a:schemeClr val="accent6"/>
+          </a:effectRef>
+          <a:fontRef idx="minor">
+            <a:schemeClr val="lt1"/>
+          </a:fontRef>
+        </p:style>
+        <p:txBody>
+          <a:bodyPr rtlCol="0" anchor="ctr"/>
+          <a:lstStyle/>
+          <a:p>
+            <a:pPr algn="ctr"/>
+            <a:endParaRPr lang="en-AU"/>
+          </a:p>
+        </p:txBody>
+      </p:sp>
+      <p:sp>
+        <p:nvSpPr>
+          <p:cNvPr id="37" name="Oval 36"/>
+          <p:cNvSpPr/>
+          <p:nvPr/>
+        </p:nvSpPr>
+        <p:spPr>
+          <a:xfrm>
+            <a:off x="5137272" y="2995355"/>
+            <a:ext cx="515390" cy="515390"/>
+          </a:xfrm>
+          <a:prstGeom prst="ellipse">
+            <a:avLst/>
+          </a:prstGeom>
+        </p:spPr>
+        <p:style>
+          <a:lnRef idx="2">
+            <a:schemeClr val="accent5">
+              <a:shade val="50000"/>
+            </a:schemeClr>
+          </a:lnRef>
+          <a:fillRef idx="1">
+            <a:schemeClr val="accent5"/>
+          </a:fillRef>
+          <a:effectRef idx="0">
+            <a:schemeClr val="accent5"/>
+          </a:effectRef>
+          <a:fontRef idx="minor">
+            <a:schemeClr val="lt1"/>
+          </a:fontRef>
+        </p:style>
+        <p:txBody>
+          <a:bodyPr rtlCol="0" anchor="ctr"/>
+          <a:lstStyle/>
+          <a:p>
+            <a:pPr algn="ctr"/>
+            <a:endParaRPr lang="en-AU"/>
+          </a:p>
+        </p:txBody>
+      </p:sp>
+      <p:sp>
+        <p:nvSpPr>
+          <p:cNvPr id="38" name="Oval 37"/>
+          <p:cNvSpPr/>
+          <p:nvPr/>
+        </p:nvSpPr>
+        <p:spPr>
+          <a:xfrm>
+            <a:off x="5137272" y="3663145"/>
+            <a:ext cx="515390" cy="515390"/>
+          </a:xfrm>
+          <a:prstGeom prst="ellipse">
+            <a:avLst/>
+          </a:prstGeom>
+        </p:spPr>
+        <p:style>
+          <a:lnRef idx="2">
+            <a:schemeClr val="accent5">
+              <a:shade val="50000"/>
+            </a:schemeClr>
+          </a:lnRef>
+          <a:fillRef idx="1">
+            <a:schemeClr val="accent5"/>
+          </a:fillRef>
+          <a:effectRef idx="0">
+            <a:schemeClr val="accent5"/>
+          </a:effectRef>
+          <a:fontRef idx="minor">
+            <a:schemeClr val="lt1"/>
+          </a:fontRef>
+        </p:style>
+        <p:txBody>
+          <a:bodyPr rtlCol="0" anchor="ctr"/>
+          <a:lstStyle/>
+          <a:p>
+            <a:pPr algn="ctr"/>
+            <a:endParaRPr lang="en-AU"/>
+          </a:p>
+        </p:txBody>
+      </p:sp>
+      <p:sp>
+        <p:nvSpPr>
+          <p:cNvPr id="39" name="Oval 38"/>
+          <p:cNvSpPr/>
+          <p:nvPr/>
+        </p:nvSpPr>
+        <p:spPr>
+          <a:xfrm>
+            <a:off x="5137272" y="4330935"/>
+            <a:ext cx="515390" cy="515390"/>
+          </a:xfrm>
+          <a:prstGeom prst="ellipse">
+            <a:avLst/>
+          </a:prstGeom>
+        </p:spPr>
+        <p:style>
+          <a:lnRef idx="2">
+            <a:schemeClr val="accent6">
+              <a:shade val="50000"/>
+            </a:schemeClr>
+          </a:lnRef>
+          <a:fillRef idx="1">
+            <a:schemeClr val="accent6"/>
+          </a:fillRef>
+          <a:effectRef idx="0">
+            <a:schemeClr val="accent6"/>
+          </a:effectRef>
+          <a:fontRef idx="minor">
+            <a:schemeClr val="lt1"/>
+          </a:fontRef>
+        </p:style>
+        <p:txBody>
+          <a:bodyPr rtlCol="0" anchor="ctr"/>
+          <a:lstStyle/>
+          <a:p>
+            <a:pPr algn="ctr"/>
+            <a:endParaRPr lang="en-AU"/>
+          </a:p>
+        </p:txBody>
+      </p:sp>
+      <p:sp>
+        <p:nvSpPr>
+          <p:cNvPr id="40" name="Oval 39"/>
+          <p:cNvSpPr/>
+          <p:nvPr/>
+        </p:nvSpPr>
+        <p:spPr>
+          <a:xfrm>
+            <a:off x="5805062" y="991985"/>
+            <a:ext cx="515390" cy="515390"/>
+          </a:xfrm>
+          <a:prstGeom prst="ellipse">
+            <a:avLst/>
+          </a:prstGeom>
+        </p:spPr>
+        <p:style>
+          <a:lnRef idx="2">
+            <a:schemeClr val="accent6">
+              <a:shade val="50000"/>
+            </a:schemeClr>
+          </a:lnRef>
+          <a:fillRef idx="1">
+            <a:schemeClr val="accent6"/>
+          </a:fillRef>
+          <a:effectRef idx="0">
+            <a:schemeClr val="accent6"/>
+          </a:effectRef>
+          <a:fontRef idx="minor">
+            <a:schemeClr val="lt1"/>
+          </a:fontRef>
+        </p:style>
+        <p:txBody>
+          <a:bodyPr rtlCol="0" anchor="ctr"/>
+          <a:lstStyle/>
+          <a:p>
+            <a:pPr algn="ctr"/>
+            <a:endParaRPr lang="en-AU"/>
+          </a:p>
+        </p:txBody>
+      </p:sp>
+      <p:sp>
+        <p:nvSpPr>
+          <p:cNvPr id="41" name="Oval 40"/>
+          <p:cNvSpPr/>
+          <p:nvPr/>
+        </p:nvSpPr>
+        <p:spPr>
+          <a:xfrm>
+            <a:off x="5805062" y="1659775"/>
+            <a:ext cx="515390" cy="515390"/>
+          </a:xfrm>
+          <a:prstGeom prst="ellipse">
+            <a:avLst/>
+          </a:prstGeom>
+        </p:spPr>
+        <p:style>
+          <a:lnRef idx="2">
+            <a:schemeClr val="accent6">
+              <a:shade val="50000"/>
+            </a:schemeClr>
+          </a:lnRef>
+          <a:fillRef idx="1">
+            <a:schemeClr val="accent6"/>
+          </a:fillRef>
+          <a:effectRef idx="0">
+            <a:schemeClr val="accent6"/>
+          </a:effectRef>
+          <a:fontRef idx="minor">
+            <a:schemeClr val="lt1"/>
+          </a:fontRef>
+        </p:style>
+        <p:txBody>
+          <a:bodyPr rtlCol="0" anchor="ctr"/>
+          <a:lstStyle/>
+          <a:p>
+            <a:pPr algn="ctr"/>
+            <a:endParaRPr lang="en-AU"/>
+          </a:p>
+        </p:txBody>
+      </p:sp>
+      <p:sp>
+        <p:nvSpPr>
+          <p:cNvPr id="42" name="Oval 41"/>
+          <p:cNvSpPr/>
+          <p:nvPr/>
+        </p:nvSpPr>
+        <p:spPr>
+          <a:xfrm>
+            <a:off x="5805062" y="2327565"/>
+            <a:ext cx="515390" cy="515390"/>
+          </a:xfrm>
+          <a:prstGeom prst="ellipse">
+            <a:avLst/>
+          </a:prstGeom>
+        </p:spPr>
+        <p:style>
+          <a:lnRef idx="2">
+            <a:schemeClr val="accent6">
+              <a:shade val="50000"/>
+            </a:schemeClr>
+          </a:lnRef>
+          <a:fillRef idx="1">
+            <a:schemeClr val="accent6"/>
+          </a:fillRef>
+          <a:effectRef idx="0">
+            <a:schemeClr val="accent6"/>
+          </a:effectRef>
+          <a:fontRef idx="minor">
+            <a:schemeClr val="lt1"/>
+          </a:fontRef>
+        </p:style>
+        <p:txBody>
+          <a:bodyPr rtlCol="0" anchor="ctr"/>
+          <a:lstStyle/>
+          <a:p>
+            <a:pPr algn="ctr"/>
+            <a:endParaRPr lang="en-AU"/>
+          </a:p>
+        </p:txBody>
+      </p:sp>
+      <p:sp>
+        <p:nvSpPr>
+          <p:cNvPr id="43" name="Oval 42"/>
+          <p:cNvSpPr/>
+          <p:nvPr/>
+        </p:nvSpPr>
+        <p:spPr>
+          <a:xfrm>
+            <a:off x="5805062" y="2995355"/>
+            <a:ext cx="515390" cy="515390"/>
+          </a:xfrm>
+          <a:prstGeom prst="ellipse">
+            <a:avLst/>
+          </a:prstGeom>
+        </p:spPr>
+        <p:style>
+          <a:lnRef idx="2">
+            <a:schemeClr val="accent5">
+              <a:shade val="50000"/>
+            </a:schemeClr>
+          </a:lnRef>
+          <a:fillRef idx="1">
+            <a:schemeClr val="accent5"/>
+          </a:fillRef>
+          <a:effectRef idx="0">
+            <a:schemeClr val="accent5"/>
+          </a:effectRef>
+          <a:fontRef idx="minor">
+            <a:schemeClr val="lt1"/>
+          </a:fontRef>
+        </p:style>
+        <p:txBody>
+          <a:bodyPr rtlCol="0" anchor="ctr"/>
+          <a:lstStyle/>
+          <a:p>
+            <a:pPr algn="ctr"/>
+            <a:endParaRPr lang="en-AU"/>
+          </a:p>
+        </p:txBody>
+      </p:sp>
+      <p:sp>
+        <p:nvSpPr>
+          <p:cNvPr id="44" name="Oval 43"/>
+          <p:cNvSpPr/>
+          <p:nvPr/>
+        </p:nvSpPr>
+        <p:spPr>
+          <a:xfrm>
+            <a:off x="5805062" y="3663145"/>
+            <a:ext cx="515390" cy="515390"/>
+          </a:xfrm>
+          <a:prstGeom prst="ellipse">
+            <a:avLst/>
+          </a:prstGeom>
+        </p:spPr>
+        <p:style>
+          <a:lnRef idx="2">
+            <a:schemeClr val="accent5">
+              <a:shade val="50000"/>
+            </a:schemeClr>
+          </a:lnRef>
+          <a:fillRef idx="1">
+            <a:schemeClr val="accent5"/>
+          </a:fillRef>
+          <a:effectRef idx="0">
+            <a:schemeClr val="accent5"/>
+          </a:effectRef>
+          <a:fontRef idx="minor">
+            <a:schemeClr val="lt1"/>
+          </a:fontRef>
+        </p:style>
+        <p:txBody>
+          <a:bodyPr rtlCol="0" anchor="ctr"/>
+          <a:lstStyle/>
+          <a:p>
+            <a:pPr algn="ctr"/>
+            <a:endParaRPr lang="en-AU"/>
+          </a:p>
+        </p:txBody>
+      </p:sp>
+      <p:sp>
+        <p:nvSpPr>
+          <p:cNvPr id="45" name="Oval 44"/>
+          <p:cNvSpPr/>
+          <p:nvPr/>
+        </p:nvSpPr>
+        <p:spPr>
+          <a:xfrm>
+            <a:off x="5805062" y="4330935"/>
+            <a:ext cx="515390" cy="515390"/>
+          </a:xfrm>
+          <a:prstGeom prst="ellipse">
+            <a:avLst/>
+          </a:prstGeom>
+        </p:spPr>
+        <p:style>
+          <a:lnRef idx="2">
+            <a:schemeClr val="accent6">
+              <a:shade val="50000"/>
+            </a:schemeClr>
+          </a:lnRef>
+          <a:fillRef idx="1">
+            <a:schemeClr val="accent6"/>
+          </a:fillRef>
+          <a:effectRef idx="0">
+            <a:schemeClr val="accent6"/>
+          </a:effectRef>
+          <a:fontRef idx="minor">
+            <a:schemeClr val="lt1"/>
+          </a:fontRef>
+        </p:style>
+        <p:txBody>
+          <a:bodyPr rtlCol="0" anchor="ctr"/>
+          <a:lstStyle/>
+          <a:p>
+            <a:pPr algn="ctr"/>
+            <a:endParaRPr lang="en-AU"/>
+          </a:p>
+        </p:txBody>
+      </p:sp>
+      <p:sp>
+        <p:nvSpPr>
+          <p:cNvPr id="46" name="Oval 45"/>
+          <p:cNvSpPr/>
+          <p:nvPr/>
+        </p:nvSpPr>
+        <p:spPr>
+          <a:xfrm>
+            <a:off x="6472852" y="991985"/>
+            <a:ext cx="515390" cy="515390"/>
+          </a:xfrm>
+          <a:prstGeom prst="ellipse">
+            <a:avLst/>
+          </a:prstGeom>
+        </p:spPr>
+        <p:style>
+          <a:lnRef idx="2">
+            <a:schemeClr val="accent6">
+              <a:shade val="50000"/>
+            </a:schemeClr>
+          </a:lnRef>
+          <a:fillRef idx="1">
+            <a:schemeClr val="accent6"/>
+          </a:fillRef>
+          <a:effectRef idx="0">
+            <a:schemeClr val="accent6"/>
+          </a:effectRef>
+          <a:fontRef idx="minor">
+            <a:schemeClr val="lt1"/>
+          </a:fontRef>
+        </p:style>
+        <p:txBody>
+          <a:bodyPr rtlCol="0" anchor="ctr"/>
+          <a:lstStyle/>
+          <a:p>
+            <a:pPr algn="ctr"/>
+            <a:endParaRPr lang="en-AU"/>
+          </a:p>
+        </p:txBody>
+      </p:sp>
+      <p:sp>
+        <p:nvSpPr>
+          <p:cNvPr id="47" name="Oval 46"/>
+          <p:cNvSpPr/>
+          <p:nvPr/>
+        </p:nvSpPr>
+        <p:spPr>
+          <a:xfrm>
+            <a:off x="6472852" y="1659775"/>
+            <a:ext cx="515390" cy="515390"/>
+          </a:xfrm>
+          <a:prstGeom prst="ellipse">
+            <a:avLst/>
+          </a:prstGeom>
+        </p:spPr>
+        <p:style>
+          <a:lnRef idx="2">
+            <a:schemeClr val="accent6">
+              <a:shade val="50000"/>
+            </a:schemeClr>
+          </a:lnRef>
+          <a:fillRef idx="1">
+            <a:schemeClr val="accent6"/>
+          </a:fillRef>
+          <a:effectRef idx="0">
+            <a:schemeClr val="accent6"/>
+          </a:effectRef>
+          <a:fontRef idx="minor">
+            <a:schemeClr val="lt1"/>
+          </a:fontRef>
+        </p:style>
+        <p:txBody>
+          <a:bodyPr rtlCol="0" anchor="ctr"/>
+          <a:lstStyle/>
+          <a:p>
+            <a:pPr algn="ctr"/>
+            <a:endParaRPr lang="en-AU"/>
+          </a:p>
+        </p:txBody>
+      </p:sp>
+      <p:sp>
+        <p:nvSpPr>
+          <p:cNvPr id="48" name="Oval 47"/>
+          <p:cNvSpPr/>
+          <p:nvPr/>
+        </p:nvSpPr>
+        <p:spPr>
+          <a:xfrm>
+            <a:off x="6472852" y="2327565"/>
+            <a:ext cx="515390" cy="515390"/>
+          </a:xfrm>
+          <a:prstGeom prst="ellipse">
+            <a:avLst/>
+          </a:prstGeom>
+        </p:spPr>
+        <p:style>
+          <a:lnRef idx="2">
+            <a:schemeClr val="accent6">
+              <a:shade val="50000"/>
+            </a:schemeClr>
+          </a:lnRef>
+          <a:fillRef idx="1">
+            <a:schemeClr val="accent6"/>
+          </a:fillRef>
+          <a:effectRef idx="0">
+            <a:schemeClr val="accent6"/>
+          </a:effectRef>
+          <a:fontRef idx="minor">
+            <a:schemeClr val="lt1"/>
+          </a:fontRef>
+        </p:style>
+        <p:txBody>
+          <a:bodyPr rtlCol="0" anchor="ctr"/>
+          <a:lstStyle/>
+          <a:p>
+            <a:pPr algn="ctr"/>
+            <a:endParaRPr lang="en-AU"/>
+          </a:p>
+        </p:txBody>
+      </p:sp>
+      <p:grpSp>
+        <p:nvGrpSpPr>
+          <p:cNvPr id="52" name="Group 51"/>
+          <p:cNvGrpSpPr/>
+          <p:nvPr/>
+        </p:nvGrpSpPr>
+        <p:grpSpPr>
+          <a:xfrm>
+            <a:off x="1767840" y="2995355"/>
+            <a:ext cx="5220402" cy="1183180"/>
+            <a:chOff x="1767840" y="2995355"/>
+            <a:chExt cx="5220402" cy="1183180"/>
+          </a:xfrm>
+        </p:grpSpPr>
+        <p:sp>
+          <p:nvSpPr>
+            <p:cNvPr id="7" name="Oval 6"/>
+            <p:cNvSpPr/>
+            <p:nvPr/>
+          </p:nvSpPr>
+          <p:spPr>
+            <a:xfrm>
+              <a:off x="1767840" y="2995355"/>
+              <a:ext cx="515390" cy="515390"/>
+            </a:xfrm>
+            <a:prstGeom prst="ellipse">
+              <a:avLst/>
+            </a:prstGeom>
+            <a:ln w="57150">
+              <a:solidFill>
+                <a:schemeClr val="tx1">
+                  <a:lumMod val="60000"/>
+                  <a:lumOff val="40000"/>
+                </a:schemeClr>
+              </a:solidFill>
+            </a:ln>
+          </p:spPr>
+          <p:style>
+            <a:lnRef idx="2">
+              <a:schemeClr val="accent5">
+                <a:shade val="50000"/>
+              </a:schemeClr>
+            </a:lnRef>
+            <a:fillRef idx="1">
+              <a:schemeClr val="accent5"/>
+            </a:fillRef>
+            <a:effectRef idx="0">
+              <a:schemeClr val="accent5"/>
+            </a:effectRef>
+            <a:fontRef idx="minor">
+              <a:schemeClr val="lt1"/>
+            </a:fontRef>
+          </p:style>
+          <p:txBody>
+            <a:bodyPr rtlCol="0" anchor="ctr"/>
+            <a:lstStyle/>
+            <a:p>
+              <a:pPr algn="ctr"/>
+              <a:endParaRPr lang="en-AU"/>
+            </a:p>
+          </p:txBody>
+        </p:sp>
+        <p:sp>
+          <p:nvSpPr>
+            <p:cNvPr id="8" name="Oval 7"/>
+            <p:cNvSpPr/>
+            <p:nvPr/>
+          </p:nvSpPr>
+          <p:spPr>
+            <a:xfrm>
+              <a:off x="1767840" y="3663145"/>
+              <a:ext cx="515390" cy="515390"/>
+            </a:xfrm>
+            <a:prstGeom prst="ellipse">
+              <a:avLst/>
+            </a:prstGeom>
+            <a:ln w="57150">
+              <a:solidFill>
+                <a:schemeClr val="tx1">
+                  <a:lumMod val="60000"/>
+                  <a:lumOff val="40000"/>
+                </a:schemeClr>
+              </a:solidFill>
+            </a:ln>
+          </p:spPr>
+          <p:style>
+            <a:lnRef idx="2">
+              <a:schemeClr val="accent5">
+                <a:shade val="50000"/>
+              </a:schemeClr>
+            </a:lnRef>
+            <a:fillRef idx="1">
+              <a:schemeClr val="accent5"/>
+            </a:fillRef>
+            <a:effectRef idx="0">
+              <a:schemeClr val="accent5"/>
+            </a:effectRef>
+            <a:fontRef idx="minor">
+              <a:schemeClr val="lt1"/>
+            </a:fontRef>
+          </p:style>
+          <p:txBody>
+            <a:bodyPr rtlCol="0" anchor="ctr"/>
+            <a:lstStyle/>
+            <a:p>
+              <a:pPr algn="ctr"/>
+              <a:endParaRPr lang="en-AU"/>
+            </a:p>
+          </p:txBody>
+        </p:sp>
+        <p:sp>
+          <p:nvSpPr>
+            <p:cNvPr id="25" name="Oval 24"/>
+            <p:cNvSpPr/>
+            <p:nvPr/>
+          </p:nvSpPr>
+          <p:spPr>
+            <a:xfrm>
+              <a:off x="3801692" y="2995355"/>
+              <a:ext cx="515390" cy="515390"/>
+            </a:xfrm>
+            <a:prstGeom prst="ellipse">
+              <a:avLst/>
+            </a:prstGeom>
+            <a:ln w="57150">
+              <a:solidFill>
+                <a:schemeClr val="tx1">
+                  <a:lumMod val="60000"/>
+                  <a:lumOff val="40000"/>
+                </a:schemeClr>
+              </a:solidFill>
+            </a:ln>
+          </p:spPr>
+          <p:style>
+            <a:lnRef idx="2">
+              <a:schemeClr val="accent5">
+                <a:shade val="50000"/>
+              </a:schemeClr>
+            </a:lnRef>
+            <a:fillRef idx="1">
+              <a:schemeClr val="accent5"/>
+            </a:fillRef>
+            <a:effectRef idx="0">
+              <a:schemeClr val="accent5"/>
+            </a:effectRef>
+            <a:fontRef idx="minor">
+              <a:schemeClr val="lt1"/>
+            </a:fontRef>
+          </p:style>
+          <p:txBody>
+            <a:bodyPr rtlCol="0" anchor="ctr"/>
+            <a:lstStyle/>
+            <a:p>
+              <a:pPr algn="ctr"/>
+              <a:endParaRPr lang="en-AU"/>
+            </a:p>
+          </p:txBody>
+        </p:sp>
+        <p:sp>
+          <p:nvSpPr>
+            <p:cNvPr id="32" name="Oval 31"/>
+            <p:cNvSpPr/>
+            <p:nvPr/>
+          </p:nvSpPr>
+          <p:spPr>
+            <a:xfrm>
+              <a:off x="4469482" y="3663145"/>
+              <a:ext cx="515390" cy="515390"/>
+            </a:xfrm>
+            <a:prstGeom prst="ellipse">
+              <a:avLst/>
+            </a:prstGeom>
+            <a:ln w="57150">
+              <a:solidFill>
+                <a:schemeClr val="tx1">
+                  <a:lumMod val="60000"/>
+                  <a:lumOff val="40000"/>
+                </a:schemeClr>
+              </a:solidFill>
+            </a:ln>
+          </p:spPr>
+          <p:style>
+            <a:lnRef idx="2">
+              <a:schemeClr val="accent5">
+                <a:shade val="50000"/>
+              </a:schemeClr>
+            </a:lnRef>
+            <a:fillRef idx="1">
+              <a:schemeClr val="accent5"/>
+            </a:fillRef>
+            <a:effectRef idx="0">
+              <a:schemeClr val="accent5"/>
+            </a:effectRef>
+            <a:fontRef idx="minor">
+              <a:schemeClr val="lt1"/>
+            </a:fontRef>
+          </p:style>
+          <p:txBody>
+            <a:bodyPr rtlCol="0" anchor="ctr"/>
+            <a:lstStyle/>
+            <a:p>
+              <a:pPr algn="ctr"/>
+              <a:endParaRPr lang="en-AU"/>
+            </a:p>
+          </p:txBody>
+        </p:sp>
+        <p:sp>
+          <p:nvSpPr>
+            <p:cNvPr id="49" name="Oval 48"/>
+            <p:cNvSpPr/>
+            <p:nvPr/>
+          </p:nvSpPr>
+          <p:spPr>
+            <a:xfrm>
+              <a:off x="6472852" y="2995355"/>
+              <a:ext cx="515390" cy="515390"/>
+            </a:xfrm>
+            <a:prstGeom prst="ellipse">
+              <a:avLst/>
+            </a:prstGeom>
+            <a:ln w="57150">
+              <a:solidFill>
+                <a:schemeClr val="tx1">
+                  <a:lumMod val="60000"/>
+                  <a:lumOff val="40000"/>
+                </a:schemeClr>
+              </a:solidFill>
+            </a:ln>
+          </p:spPr>
+          <p:style>
+            <a:lnRef idx="2">
+              <a:schemeClr val="accent5">
+                <a:shade val="50000"/>
+              </a:schemeClr>
+            </a:lnRef>
+            <a:fillRef idx="1">
+              <a:schemeClr val="accent5"/>
+            </a:fillRef>
+            <a:effectRef idx="0">
+              <a:schemeClr val="accent5"/>
+            </a:effectRef>
+            <a:fontRef idx="minor">
+              <a:schemeClr val="lt1"/>
+            </a:fontRef>
+          </p:style>
+          <p:txBody>
+            <a:bodyPr rtlCol="0" anchor="ctr"/>
+            <a:lstStyle/>
+            <a:p>
+              <a:pPr algn="ctr"/>
+              <a:endParaRPr lang="en-AU"/>
+            </a:p>
+          </p:txBody>
+        </p:sp>
+        <p:sp>
+          <p:nvSpPr>
+            <p:cNvPr id="50" name="Oval 49"/>
+            <p:cNvSpPr/>
+            <p:nvPr/>
+          </p:nvSpPr>
+          <p:spPr>
+            <a:xfrm>
+              <a:off x="6472852" y="3663145"/>
+              <a:ext cx="515390" cy="515390"/>
+            </a:xfrm>
+            <a:prstGeom prst="ellipse">
+              <a:avLst/>
+            </a:prstGeom>
+            <a:ln w="57150">
+              <a:solidFill>
+                <a:schemeClr val="tx1">
+                  <a:lumMod val="60000"/>
+                  <a:lumOff val="40000"/>
+                </a:schemeClr>
+              </a:solidFill>
+            </a:ln>
+          </p:spPr>
+          <p:style>
+            <a:lnRef idx="2">
+              <a:schemeClr val="accent5">
+                <a:shade val="50000"/>
+              </a:schemeClr>
+            </a:lnRef>
+            <a:fillRef idx="1">
+              <a:schemeClr val="accent5"/>
+            </a:fillRef>
+            <a:effectRef idx="0">
+              <a:schemeClr val="accent5"/>
+            </a:effectRef>
+            <a:fontRef idx="minor">
+              <a:schemeClr val="lt1"/>
+            </a:fontRef>
+          </p:style>
+          <p:txBody>
+            <a:bodyPr rtlCol="0" anchor="ctr"/>
+            <a:lstStyle/>
+            <a:p>
+              <a:pPr algn="ctr"/>
+              <a:endParaRPr lang="en-AU"/>
+            </a:p>
+          </p:txBody>
+        </p:sp>
+      </p:grpSp>
+      <p:sp>
+        <p:nvSpPr>
+          <p:cNvPr id="51" name="Oval 50"/>
+          <p:cNvSpPr/>
+          <p:nvPr/>
+        </p:nvSpPr>
+        <p:spPr>
+          <a:xfrm>
+            <a:off x="6472852" y="4330935"/>
+            <a:ext cx="515390" cy="515390"/>
+          </a:xfrm>
+          <a:prstGeom prst="ellipse">
+            <a:avLst/>
+          </a:prstGeom>
+        </p:spPr>
+        <p:style>
+          <a:lnRef idx="2">
+            <a:schemeClr val="accent6">
+              <a:shade val="50000"/>
+            </a:schemeClr>
+          </a:lnRef>
+          <a:fillRef idx="1">
+            <a:schemeClr val="accent6"/>
+          </a:fillRef>
+          <a:effectRef idx="0">
+            <a:schemeClr val="accent6"/>
+          </a:effectRef>
+          <a:fontRef idx="minor">
+            <a:schemeClr val="lt1"/>
+          </a:fontRef>
+        </p:style>
+        <p:txBody>
+          <a:bodyPr rtlCol="0" anchor="ctr"/>
+          <a:lstStyle/>
+          <a:p>
+            <a:pPr algn="ctr"/>
+            <a:endParaRPr lang="en-AU"/>
+          </a:p>
+        </p:txBody>
+      </p:sp>
+    </p:spTree>
+    <p:extLst>
+      <p:ext uri="{BB962C8B-B14F-4D97-AF65-F5344CB8AC3E}">
+        <p14:creationId xmlns:p14="http://schemas.microsoft.com/office/powerpoint/2010/main" val="2482046717"/>
       </p:ext>
     </p:extLst>
   </p:cSld>
